--- a/COS597E_Presentation.pptx
+++ b/COS597E_Presentation.pptx
@@ -116,6 +116,22 @@
       </a:defRPr>
     </a:lvl9pPr>
   </p:defaultTextStyle>
+  <p:extLst>
+    <p:ext uri="{EFAFB233-063F-42B5-8137-9DF3F51BA10A}">
+      <p15:sldGuideLst xmlns:p15="http://schemas.microsoft.com/office/powerpoint/2012/main">
+        <p15:guide id="1" orient="horz" pos="2174">
+          <p15:clr>
+            <a:srgbClr val="A4A3A4"/>
+          </p15:clr>
+        </p15:guide>
+        <p15:guide id="2" pos="2881">
+          <p15:clr>
+            <a:srgbClr val="A4A3A4"/>
+          </p15:clr>
+        </p15:guide>
+      </p15:sldGuideLst>
+    </p:ext>
+  </p:extLst>
 </p:presentation>
 </file>
 
@@ -201,7 +217,7 @@
           <a:p>
             <a:fld id="{A4183EB5-CB9F-AD47-9B92-C78F0B93E28B}" type="datetimeFigureOut">
               <a:rPr lang="en-US" smtClean="0"/>
-              <a:t>1/15/14</a:t>
+              <a:t>1/15/2014</a:t>
             </a:fld>
             <a:endParaRPr lang="en-US"/>
           </a:p>
@@ -651,7 +667,7 @@
             <a:fld id="{8ACDB3CC-F982-40F9-8DD6-BCC9AFBF44BD}" type="datetime1">
               <a:rPr lang="en-US" smtClean="0"/>
               <a:pPr/>
-              <a:t>1/15/14</a:t>
+              <a:t>1/15/2014</a:t>
             </a:fld>
             <a:endParaRPr lang="en-US" dirty="0"/>
           </a:p>
@@ -821,7 +837,7 @@
           <a:p>
             <a:fld id="{68C2560D-EC28-3B41-86E8-18F1CE0113B4}" type="datetimeFigureOut">
               <a:rPr lang="en-US" smtClean="0"/>
-              <a:t>1/15/14</a:t>
+              <a:t>1/15/2014</a:t>
             </a:fld>
             <a:endParaRPr lang="en-US"/>
           </a:p>
@@ -1001,7 +1017,7 @@
           <a:p>
             <a:fld id="{68C2560D-EC28-3B41-86E8-18F1CE0113B4}" type="datetimeFigureOut">
               <a:rPr lang="en-US" smtClean="0"/>
-              <a:t>1/15/14</a:t>
+              <a:t>1/15/2014</a:t>
             </a:fld>
             <a:endParaRPr lang="en-US"/>
           </a:p>
@@ -1171,7 +1187,7 @@
           <a:p>
             <a:fld id="{68C2560D-EC28-3B41-86E8-18F1CE0113B4}" type="datetimeFigureOut">
               <a:rPr lang="en-US" smtClean="0"/>
-              <a:t>1/15/14</a:t>
+              <a:t>1/15/2014</a:t>
             </a:fld>
             <a:endParaRPr lang="en-US"/>
           </a:p>
@@ -1418,7 +1434,7 @@
             <a:fld id="{4A9E7B99-7C3F-4BC3-B7B8-7E1F8C620B24}" type="datetime1">
               <a:rPr lang="en-US" smtClean="0"/>
               <a:pPr/>
-              <a:t>1/15/14</a:t>
+              <a:t>1/15/2014</a:t>
             </a:fld>
             <a:endParaRPr lang="en-US"/>
           </a:p>
@@ -1707,7 +1723,7 @@
           <a:p>
             <a:fld id="{68C2560D-EC28-3B41-86E8-18F1CE0113B4}" type="datetimeFigureOut">
               <a:rPr lang="en-US" smtClean="0"/>
-              <a:t>1/15/14</a:t>
+              <a:t>1/15/2014</a:t>
             </a:fld>
             <a:endParaRPr lang="en-US"/>
           </a:p>
@@ -2129,7 +2145,7 @@
           <a:p>
             <a:fld id="{68C2560D-EC28-3B41-86E8-18F1CE0113B4}" type="datetimeFigureOut">
               <a:rPr lang="en-US" smtClean="0"/>
-              <a:t>1/15/14</a:t>
+              <a:t>1/15/2014</a:t>
             </a:fld>
             <a:endParaRPr lang="en-US"/>
           </a:p>
@@ -2247,7 +2263,7 @@
           <a:p>
             <a:fld id="{68C2560D-EC28-3B41-86E8-18F1CE0113B4}" type="datetimeFigureOut">
               <a:rPr lang="en-US" smtClean="0"/>
-              <a:t>1/15/14</a:t>
+              <a:t>1/15/2014</a:t>
             </a:fld>
             <a:endParaRPr lang="en-US"/>
           </a:p>
@@ -2342,7 +2358,7 @@
           <a:p>
             <a:fld id="{68C2560D-EC28-3B41-86E8-18F1CE0113B4}" type="datetimeFigureOut">
               <a:rPr lang="en-US" smtClean="0"/>
-              <a:t>1/15/14</a:t>
+              <a:t>1/15/2014</a:t>
             </a:fld>
             <a:endParaRPr lang="en-US"/>
           </a:p>
@@ -2619,7 +2635,7 @@
           <a:p>
             <a:fld id="{68C2560D-EC28-3B41-86E8-18F1CE0113B4}" type="datetimeFigureOut">
               <a:rPr lang="en-US" smtClean="0"/>
-              <a:t>1/15/14</a:t>
+              <a:t>1/15/2014</a:t>
             </a:fld>
             <a:endParaRPr lang="en-US"/>
           </a:p>
@@ -2879,7 +2895,7 @@
           <a:p>
             <a:fld id="{68C2560D-EC28-3B41-86E8-18F1CE0113B4}" type="datetimeFigureOut">
               <a:rPr lang="en-US" smtClean="0"/>
-              <a:t>1/15/14</a:t>
+              <a:t>1/15/2014</a:t>
             </a:fld>
             <a:endParaRPr lang="en-US"/>
           </a:p>
@@ -3092,7 +3108,7 @@
           <a:p>
             <a:fld id="{68C2560D-EC28-3B41-86E8-18F1CE0113B4}" type="datetimeFigureOut">
               <a:rPr lang="en-US" smtClean="0"/>
-              <a:t>1/15/14</a:t>
+              <a:t>1/15/2014</a:t>
             </a:fld>
             <a:endParaRPr lang="en-US"/>
           </a:p>
@@ -3634,14 +3650,22 @@
           <a:p>
             <a:r>
               <a:rPr lang="en-US" dirty="0" smtClean="0"/>
-              <a:t>Walk about other attacks ( we focused Switch to Controller)</a:t>
+              <a:t>Many other attack vectors</a:t>
             </a:r>
           </a:p>
           <a:p>
             <a:pPr lvl="1"/>
             <a:r>
               <a:rPr lang="en-US" dirty="0" smtClean="0"/>
-              <a:t>Implement Switch to Switch Attacks</a:t>
+              <a:t>Switch-to-switch </a:t>
+            </a:r>
+            <a:r>
+              <a:rPr lang="en-US" dirty="0"/>
+              <a:t>a</a:t>
+            </a:r>
+            <a:r>
+              <a:rPr lang="en-US" dirty="0" smtClean="0"/>
+              <a:t>ttacks</a:t>
             </a:r>
           </a:p>
           <a:p>
@@ -3655,9 +3679,8 @@
             <a:pPr lvl="1"/>
             <a:r>
               <a:rPr lang="en-US" dirty="0" smtClean="0"/>
-              <a:t>Other random stuff</a:t>
-            </a:r>
-            <a:endParaRPr lang="en-US" dirty="0" smtClean="0"/>
+              <a:t>Boundary between SDN and legacy network</a:t>
+            </a:r>
           </a:p>
         </p:txBody>
       </p:sp>
@@ -3696,6 +3719,188 @@
                 <a:srgbClr val="FF0000"/>
               </a:solidFill>
             </a:endParaRPr>
+          </a:p>
+        </p:txBody>
+      </p:sp>
+      <p:pic>
+        <p:nvPicPr>
+          <p:cNvPr id="1026" name="Picture 2" descr="http://computerplatforms.wikispaces.com/file/view/Network_Switch.jpg/190354618/228x186/Network_Switch.jpg"/>
+          <p:cNvPicPr>
+            <a:picLocks noChangeAspect="1" noChangeArrowheads="1"/>
+          </p:cNvPicPr>
+          <p:nvPr/>
+        </p:nvPicPr>
+        <p:blipFill>
+          <a:blip r:embed="rId2">
+            <a:extLst>
+              <a:ext uri="{28A0092B-C50C-407E-A947-70E740481C1C}">
+                <a14:useLocalDpi xmlns:a14="http://schemas.microsoft.com/office/drawing/2010/main" val="0"/>
+              </a:ext>
+            </a:extLst>
+          </a:blip>
+          <a:srcRect/>
+          <a:stretch>
+            <a:fillRect/>
+          </a:stretch>
+        </p:blipFill>
+        <p:spPr bwMode="auto">
+          <a:xfrm>
+            <a:off x="5212318" y="4354512"/>
+            <a:ext cx="2171700" cy="1771651"/>
+          </a:xfrm>
+          <a:prstGeom prst="rect">
+            <a:avLst/>
+          </a:prstGeom>
+          <a:noFill/>
+          <a:extLst>
+            <a:ext uri="{909E8E84-426E-40DD-AFC4-6F175D3DCCD1}">
+              <a14:hiddenFill xmlns:a14="http://schemas.microsoft.com/office/drawing/2010/main">
+                <a:solidFill>
+                  <a:srgbClr val="FFFFFF"/>
+                </a:solidFill>
+              </a14:hiddenFill>
+            </a:ext>
+          </a:extLst>
+        </p:spPr>
+      </p:pic>
+      <p:pic>
+        <p:nvPicPr>
+          <p:cNvPr id="6" name="Picture 2" descr="http://computerplatforms.wikispaces.com/file/view/Network_Switch.jpg/190354618/228x186/Network_Switch.jpg"/>
+          <p:cNvPicPr>
+            <a:picLocks noChangeAspect="1" noChangeArrowheads="1"/>
+          </p:cNvPicPr>
+          <p:nvPr/>
+        </p:nvPicPr>
+        <p:blipFill>
+          <a:blip r:embed="rId2">
+            <a:extLst>
+              <a:ext uri="{28A0092B-C50C-407E-A947-70E740481C1C}">
+                <a14:useLocalDpi xmlns:a14="http://schemas.microsoft.com/office/drawing/2010/main" val="0"/>
+              </a:ext>
+            </a:extLst>
+          </a:blip>
+          <a:srcRect/>
+          <a:stretch>
+            <a:fillRect/>
+          </a:stretch>
+        </p:blipFill>
+        <p:spPr bwMode="auto">
+          <a:xfrm rot="5400000">
+            <a:off x="1178308" y="4354511"/>
+            <a:ext cx="2171700" cy="1771651"/>
+          </a:xfrm>
+          <a:prstGeom prst="rect">
+            <a:avLst/>
+          </a:prstGeom>
+          <a:noFill/>
+          <a:extLst>
+            <a:ext uri="{909E8E84-426E-40DD-AFC4-6F175D3DCCD1}">
+              <a14:hiddenFill xmlns:a14="http://schemas.microsoft.com/office/drawing/2010/main">
+                <a:solidFill>
+                  <a:srgbClr val="FFFFFF"/>
+                </a:solidFill>
+              </a14:hiddenFill>
+            </a:ext>
+          </a:extLst>
+        </p:spPr>
+      </p:pic>
+      <p:cxnSp>
+        <p:nvCxnSpPr>
+          <p:cNvPr id="7" name="Straight Arrow Connector 6"/>
+          <p:cNvCxnSpPr>
+            <a:stCxn id="6" idx="0"/>
+          </p:cNvCxnSpPr>
+          <p:nvPr/>
+        </p:nvCxnSpPr>
+        <p:spPr>
+          <a:xfrm flipV="1">
+            <a:off x="3149984" y="5240336"/>
+            <a:ext cx="1862691" cy="1"/>
+          </a:xfrm>
+          <a:prstGeom prst="straightConnector1">
+            <a:avLst/>
+          </a:prstGeom>
+          <a:ln w="63500">
+            <a:solidFill>
+              <a:schemeClr val="tx1"/>
+            </a:solidFill>
+            <a:tailEnd type="triangle"/>
+          </a:ln>
+          <a:effectLst/>
+        </p:spPr>
+        <p:style>
+          <a:lnRef idx="2">
+            <a:schemeClr val="accent1"/>
+          </a:lnRef>
+          <a:fillRef idx="0">
+            <a:schemeClr val="accent1"/>
+          </a:fillRef>
+          <a:effectRef idx="1">
+            <a:schemeClr val="accent1"/>
+          </a:effectRef>
+          <a:fontRef idx="minor">
+            <a:schemeClr val="tx1"/>
+          </a:fontRef>
+        </p:style>
+      </p:cxnSp>
+      <p:sp>
+        <p:nvSpPr>
+          <p:cNvPr id="8" name="TextBox 7"/>
+          <p:cNvSpPr txBox="1"/>
+          <p:nvPr/>
+        </p:nvSpPr>
+        <p:spPr>
+          <a:xfrm>
+            <a:off x="3149984" y="4638101"/>
+            <a:ext cx="1576252" cy="369332"/>
+          </a:xfrm>
+          <a:prstGeom prst="rect">
+            <a:avLst/>
+          </a:prstGeom>
+          <a:noFill/>
+        </p:spPr>
+        <p:txBody>
+          <a:bodyPr wrap="square" rtlCol="0">
+            <a:spAutoFit/>
+          </a:bodyPr>
+          <a:lstStyle/>
+          <a:p>
+            <a:pPr algn="ctr"/>
+            <a:r>
+              <a:rPr lang="en-US" dirty="0" smtClean="0"/>
+              <a:t>FLIP!</a:t>
+            </a:r>
+            <a:endParaRPr lang="en-US" dirty="0"/>
+          </a:p>
+        </p:txBody>
+      </p:sp>
+      <p:sp>
+        <p:nvSpPr>
+          <p:cNvPr id="5" name="TextBox 4"/>
+          <p:cNvSpPr txBox="1"/>
+          <p:nvPr/>
+        </p:nvSpPr>
+        <p:spPr>
+          <a:xfrm>
+            <a:off x="7384019" y="5894024"/>
+            <a:ext cx="845582" cy="276999"/>
+          </a:xfrm>
+          <a:prstGeom prst="rect">
+            <a:avLst/>
+          </a:prstGeom>
+          <a:noFill/>
+        </p:spPr>
+        <p:txBody>
+          <a:bodyPr wrap="square" rtlCol="0">
+            <a:spAutoFit/>
+          </a:bodyPr>
+          <a:lstStyle/>
+          <a:p>
+            <a:r>
+              <a:rPr lang="en-US" sz="1200" dirty="0" smtClean="0"/>
+              <a:t>CC image</a:t>
+            </a:r>
+            <a:endParaRPr lang="en-US" sz="1200" dirty="0"/>
           </a:p>
         </p:txBody>
       </p:sp>
@@ -3803,7 +4008,6 @@
               <a:rPr lang="en-US" dirty="0" smtClean="0"/>
               <a:t>Way Ahead</a:t>
             </a:r>
-            <a:endParaRPr lang="en-US" dirty="0" smtClean="0"/>
           </a:p>
         </p:txBody>
       </p:sp>
@@ -3915,21 +4119,28 @@
           <a:p>
             <a:r>
               <a:rPr lang="en-US" dirty="0" smtClean="0"/>
-              <a:t>SDN</a:t>
+              <a:t>Security prominent in Ethane (2007)</a:t>
             </a:r>
           </a:p>
           <a:p>
             <a:r>
               <a:rPr lang="en-US" dirty="0" smtClean="0"/>
-              <a:t>Security Work in SDN</a:t>
+              <a:t>Little work on security of SDN</a:t>
             </a:r>
           </a:p>
           <a:p>
             <a:r>
               <a:rPr lang="en-US" dirty="0" smtClean="0"/>
-              <a:t>Threat Model</a:t>
-            </a:r>
-            <a:endParaRPr lang="en-US" dirty="0" smtClean="0"/>
+              <a:t>Threat </a:t>
+            </a:r>
+            <a:r>
+              <a:rPr lang="en-US" dirty="0"/>
+              <a:t>m</a:t>
+            </a:r>
+            <a:r>
+              <a:rPr lang="en-US" dirty="0" smtClean="0"/>
+              <a:t>odel == compromised switch</a:t>
+            </a:r>
           </a:p>
         </p:txBody>
       </p:sp>
@@ -3968,6 +4179,86 @@
                 <a:srgbClr val="FF0000"/>
               </a:solidFill>
             </a:endParaRPr>
+          </a:p>
+        </p:txBody>
+      </p:sp>
+      <p:pic>
+        <p:nvPicPr>
+          <p:cNvPr id="6" name="Content Placeholder 3"/>
+          <p:cNvPicPr>
+            <a:picLocks noChangeAspect="1"/>
+          </p:cNvPicPr>
+          <p:nvPr/>
+        </p:nvPicPr>
+        <p:blipFill>
+          <a:blip r:embed="rId2">
+            <a:extLst>
+              <a:ext uri="{28A0092B-C50C-407E-A947-70E740481C1C}">
+                <a14:useLocalDpi xmlns:a14="http://schemas.microsoft.com/office/drawing/2010/main" val="0"/>
+              </a:ext>
+            </a:extLst>
+          </a:blip>
+          <a:stretch>
+            <a:fillRect/>
+          </a:stretch>
+        </p:blipFill>
+        <p:spPr>
+          <a:xfrm>
+            <a:off x="2491662" y="3536415"/>
+            <a:ext cx="4160676" cy="2886419"/>
+          </a:xfrm>
+          <a:prstGeom prst="rect">
+            <a:avLst/>
+          </a:prstGeom>
+        </p:spPr>
+      </p:pic>
+      <p:sp>
+        <p:nvSpPr>
+          <p:cNvPr id="7" name="TextBox 6"/>
+          <p:cNvSpPr txBox="1"/>
+          <p:nvPr/>
+        </p:nvSpPr>
+        <p:spPr>
+          <a:xfrm>
+            <a:off x="6952027" y="5258835"/>
+            <a:ext cx="1631247" cy="1015663"/>
+          </a:xfrm>
+          <a:prstGeom prst="rect">
+            <a:avLst/>
+          </a:prstGeom>
+          <a:noFill/>
+        </p:spPr>
+        <p:txBody>
+          <a:bodyPr wrap="square" rtlCol="0">
+            <a:spAutoFit/>
+          </a:bodyPr>
+          <a:lstStyle/>
+          <a:p>
+            <a:r>
+              <a:rPr lang="en-US" sz="1200" dirty="0" err="1" smtClean="0"/>
+              <a:t>Kreutz</a:t>
+            </a:r>
+            <a:r>
+              <a:rPr lang="en-US" sz="1200" dirty="0" smtClean="0"/>
+              <a:t> et. </a:t>
+            </a:r>
+            <a:r>
+              <a:rPr lang="en-US" sz="1200" dirty="0"/>
+              <a:t>a</a:t>
+            </a:r>
+            <a:r>
+              <a:rPr lang="en-US" sz="1200" dirty="0" smtClean="0"/>
+              <a:t>l. “Towards Secure and Dependable Software Defined Networks” </a:t>
+            </a:r>
+            <a:r>
+              <a:rPr lang="en-US" sz="1200" i="1" dirty="0" err="1" smtClean="0"/>
+              <a:t>HotSDN</a:t>
+            </a:r>
+            <a:r>
+              <a:rPr lang="en-US" sz="1200" dirty="0" smtClean="0"/>
+              <a:t>, 2013.</a:t>
+            </a:r>
+            <a:endParaRPr lang="en-US" sz="1200" dirty="0"/>
           </a:p>
         </p:txBody>
       </p:sp>
@@ -4056,7 +4347,6 @@
               <a:rPr lang="en-US" dirty="0" smtClean="0"/>
               <a:t>Bootstrapping a Controller</a:t>
             </a:r>
-            <a:endParaRPr lang="en-US" dirty="0" smtClean="0"/>
           </a:p>
         </p:txBody>
       </p:sp>
